--- a/PracticalKeras_Tutorials.pptx
+++ b/PracticalKeras_Tutorials.pptx
@@ -15101,7 +15101,7 @@
         </p:blipFill>
         <p:spPr>
           <a:xfrm>
-            <a:off x="1320604" y="1509933"/>
+            <a:off x="1152354" y="1742050"/>
             <a:ext cx="6747217" cy="4498145"/>
           </a:xfrm>
           <a:prstGeom prst="rect">
@@ -15109,6 +15109,59 @@
           </a:prstGeom>
         </p:spPr>
       </p:pic>
+      <p:sp>
+        <p:nvSpPr>
+          <p:cNvPr id="5" name="Rectangle 4">
+            <a:extLst>
+              <a:ext uri="{FF2B5EF4-FFF2-40B4-BE49-F238E27FC236}">
+                <a16:creationId xmlns:a16="http://schemas.microsoft.com/office/drawing/2014/main" id="{2A753455-3EEC-415C-9EEC-A0B7A7E45835}"/>
+              </a:ext>
+            </a:extLst>
+          </p:cNvPr>
+          <p:cNvSpPr/>
+          <p:nvPr/>
+        </p:nvSpPr>
+        <p:spPr>
+          <a:xfrm>
+            <a:off x="2398542" y="1185935"/>
+            <a:ext cx="4438039" cy="338554"/>
+          </a:xfrm>
+          <a:prstGeom prst="rect">
+            <a:avLst/>
+          </a:prstGeom>
+        </p:spPr>
+        <p:txBody>
+          <a:bodyPr wrap="square">
+            <a:spAutoFit/>
+          </a:bodyPr>
+          <a:lstStyle/>
+          <a:p>
+            <a:r>
+              <a:rPr lang="en-US" sz="1600" dirty="0">
+                <a:solidFill>
+                  <a:schemeClr val="tx1"/>
+                </a:solidFill>
+                <a:effectLst>
+                  <a:outerShdw blurRad="38100" dist="38100" dir="2700000" algn="tl">
+                    <a:srgbClr val="000000">
+                      <a:alpha val="43137"/>
+                    </a:srgbClr>
+                  </a:outerShdw>
+                </a:effectLst>
+                <a:latin typeface="Times New Roman" panose="02020603050405020304" pitchFamily="18" charset="0"/>
+                <a:cs typeface="Times New Roman" panose="02020603050405020304" pitchFamily="18" charset="0"/>
+                <a:hlinkClick r:id="rId3"/>
+              </a:rPr>
+              <a:t>Predicting Houses Prices (Regression tutorial)</a:t>
+            </a:r>
+            <a:endParaRPr lang="en-US" sz="1600" dirty="0">
+              <a:solidFill>
+                <a:schemeClr val="tx1"/>
+              </a:solidFill>
+            </a:endParaRPr>
+          </a:p>
+        </p:txBody>
+      </p:sp>
     </p:spTree>
     <p:extLst>
       <p:ext uri="{BB962C8B-B14F-4D97-AF65-F5344CB8AC3E}">
